--- a/DSD5/5.pptx
+++ b/DSD5/5.pptx
@@ -15645,15 +15645,6 @@
 </file>
 
 <file path=customXml/item2.xml><?xml version="1.0" encoding="utf-8"?>
-<?mso-contentType ?>
-<FormTemplates xmlns="http://schemas.microsoft.com/sharepoint/v3/contenttype/forms">
-  <Display>DocumentLibraryForm</Display>
-  <Edit>DocumentLibraryForm</Edit>
-  <New>DocumentLibraryForm</New>
-</FormTemplates>
-</file>
-
-<file path=customXml/item3.xml><?xml version="1.0" encoding="utf-8"?>
 <ct:contentTypeSchema xmlns:ct="http://schemas.microsoft.com/office/2006/metadata/contentType" xmlns:ma="http://schemas.microsoft.com/office/2006/metadata/properties/metaAttributes" ct:_="" ma:_="" ma:contentTypeName="Document" ma:contentTypeID="0x010100B0E9A4A7D20EA84CAA39F80EA2A19865" ma:contentTypeVersion="1" ma:contentTypeDescription="Create a new document." ma:contentTypeScope="" ma:versionID="4ed0c655cf5595f31b06ef1418ca28bf">
   <xsd:schema xmlns:xsd="http://www.w3.org/2001/XMLSchema" xmlns:xs="http://www.w3.org/2001/XMLSchema" xmlns:p="http://schemas.microsoft.com/office/2006/metadata/properties" xmlns:ns1="http://schemas.microsoft.com/sharepoint/v3" targetNamespace="http://schemas.microsoft.com/office/2006/metadata/properties" ma:root="true" ma:fieldsID="4dcce58c87e9fcebab8021569449a8d0" ns1:_="">
     <xsd:import namespace="http://schemas.microsoft.com/sharepoint/v3"/>
@@ -15785,6 +15776,15 @@
 </ct:contentTypeSchema>
 </file>
 
+<file path=customXml/item3.xml><?xml version="1.0" encoding="utf-8"?>
+<?mso-contentType ?>
+<FormTemplates xmlns="http://schemas.microsoft.com/sharepoint/v3/contenttype/forms">
+  <Display>DocumentLibraryForm</Display>
+  <Edit>DocumentLibraryForm</Edit>
+  <New>DocumentLibraryForm</New>
+</FormTemplates>
+</file>
+
 <file path=customXml/itemProps1.xml><?xml version="1.0" encoding="utf-8"?>
 <ds:datastoreItem xmlns:ds="http://schemas.openxmlformats.org/officeDocument/2006/customXml" ds:itemID="{D5E3C081-4081-47AD-A9A6-9F18F525DA1D}">
   <ds:schemaRefs>
@@ -15802,14 +15802,6 @@
 </file>
 
 <file path=customXml/itemProps2.xml><?xml version="1.0" encoding="utf-8"?>
-<ds:datastoreItem xmlns:ds="http://schemas.openxmlformats.org/officeDocument/2006/customXml" ds:itemID="{14883F0F-DE57-4ECA-B9BB-F22E8C5B5D82}">
-  <ds:schemaRefs>
-    <ds:schemaRef ds:uri="http://schemas.microsoft.com/sharepoint/v3/contenttype/forms"/>
-  </ds:schemaRefs>
-</ds:datastoreItem>
-</file>
-
-<file path=customXml/itemProps3.xml><?xml version="1.0" encoding="utf-8"?>
 <ds:datastoreItem xmlns:ds="http://schemas.openxmlformats.org/officeDocument/2006/customXml" ds:itemID="{C3A1A37E-F8E3-427A-BCE9-B1DDB8B96CDF}">
   <ds:schemaRefs>
     <ds:schemaRef ds:uri="http://schemas.microsoft.com/office/2006/metadata/contentType"/>
@@ -15825,4 +15817,12 @@
     <ds:schemaRef ds:uri="http://schemas.microsoft.com/internal/obd"/>
   </ds:schemaRefs>
 </ds:datastoreItem>
+</file>
+
+<file path=customXml/itemProps3.xml><?xml version="1.0" encoding="utf-8"?>
+<ds:datastoreItem xmlns:ds="http://schemas.openxmlformats.org/officeDocument/2006/customXml" ds:itemID="{14883F0F-DE57-4ECA-B9BB-F22E8C5B5D82}">
+  <ds:schemaRefs>
+    <ds:schemaRef ds:uri="http://schemas.microsoft.com/sharepoint/v3/contenttype/forms"/>
+  </ds:schemaRefs>
+</ds:datastoreItem>
 </file>